--- a/docs/4.algorithm/gif/gif制作.pptx
+++ b/docs/4.algorithm/gif/gif制作.pptx
@@ -7,6 +7,7 @@
   <p:sldIdLst>
     <p:sldId id="256" r:id="rId2"/>
     <p:sldId id="257" r:id="rId3"/>
+    <p:sldId id="258" r:id="rId4"/>
   </p:sldIdLst>
   <p:sldSz cx="12192000" cy="6858000"/>
   <p:notesSz cx="6858000" cy="9144000"/>
@@ -105,6 +106,11 @@
       </a:defRPr>
     </a:lvl9pPr>
   </p:defaultTextStyle>
+  <p:extLst>
+    <p:ext uri="{EFAFB233-063F-42B5-8137-9DF3F51BA10A}">
+      <p15:sldGuideLst xmlns:p15="http://schemas.microsoft.com/office/powerpoint/2012/main"/>
+    </p:ext>
+  </p:extLst>
 </p:presentation>
 </file>
 
@@ -255,7 +261,7 @@
           <a:p>
             <a:fld id="{32092218-5668-4670-9FA5-EE998BAB2E50}" type="datetimeFigureOut">
               <a:rPr lang="zh-CN" altLang="en-US" smtClean="0"/>
-              <a:t>2020/4/13</a:t>
+              <a:t>2020/4/14</a:t>
             </a:fld>
             <a:endParaRPr lang="zh-CN" altLang="en-US"/>
           </a:p>
@@ -453,7 +459,7 @@
           <a:p>
             <a:fld id="{32092218-5668-4670-9FA5-EE998BAB2E50}" type="datetimeFigureOut">
               <a:rPr lang="zh-CN" altLang="en-US" smtClean="0"/>
-              <a:t>2020/4/13</a:t>
+              <a:t>2020/4/14</a:t>
             </a:fld>
             <a:endParaRPr lang="zh-CN" altLang="en-US"/>
           </a:p>
@@ -661,7 +667,7 @@
           <a:p>
             <a:fld id="{32092218-5668-4670-9FA5-EE998BAB2E50}" type="datetimeFigureOut">
               <a:rPr lang="zh-CN" altLang="en-US" smtClean="0"/>
-              <a:t>2020/4/13</a:t>
+              <a:t>2020/4/14</a:t>
             </a:fld>
             <a:endParaRPr lang="zh-CN" altLang="en-US"/>
           </a:p>
@@ -859,7 +865,7 @@
           <a:p>
             <a:fld id="{32092218-5668-4670-9FA5-EE998BAB2E50}" type="datetimeFigureOut">
               <a:rPr lang="zh-CN" altLang="en-US" smtClean="0"/>
-              <a:t>2020/4/13</a:t>
+              <a:t>2020/4/14</a:t>
             </a:fld>
             <a:endParaRPr lang="zh-CN" altLang="en-US"/>
           </a:p>
@@ -1134,7 +1140,7 @@
           <a:p>
             <a:fld id="{32092218-5668-4670-9FA5-EE998BAB2E50}" type="datetimeFigureOut">
               <a:rPr lang="zh-CN" altLang="en-US" smtClean="0"/>
-              <a:t>2020/4/13</a:t>
+              <a:t>2020/4/14</a:t>
             </a:fld>
             <a:endParaRPr lang="zh-CN" altLang="en-US"/>
           </a:p>
@@ -1399,7 +1405,7 @@
           <a:p>
             <a:fld id="{32092218-5668-4670-9FA5-EE998BAB2E50}" type="datetimeFigureOut">
               <a:rPr lang="zh-CN" altLang="en-US" smtClean="0"/>
-              <a:t>2020/4/13</a:t>
+              <a:t>2020/4/14</a:t>
             </a:fld>
             <a:endParaRPr lang="zh-CN" altLang="en-US"/>
           </a:p>
@@ -1811,7 +1817,7 @@
           <a:p>
             <a:fld id="{32092218-5668-4670-9FA5-EE998BAB2E50}" type="datetimeFigureOut">
               <a:rPr lang="zh-CN" altLang="en-US" smtClean="0"/>
-              <a:t>2020/4/13</a:t>
+              <a:t>2020/4/14</a:t>
             </a:fld>
             <a:endParaRPr lang="zh-CN" altLang="en-US"/>
           </a:p>
@@ -1952,7 +1958,7 @@
           <a:p>
             <a:fld id="{32092218-5668-4670-9FA5-EE998BAB2E50}" type="datetimeFigureOut">
               <a:rPr lang="zh-CN" altLang="en-US" smtClean="0"/>
-              <a:t>2020/4/13</a:t>
+              <a:t>2020/4/14</a:t>
             </a:fld>
             <a:endParaRPr lang="zh-CN" altLang="en-US"/>
           </a:p>
@@ -2065,7 +2071,7 @@
           <a:p>
             <a:fld id="{32092218-5668-4670-9FA5-EE998BAB2E50}" type="datetimeFigureOut">
               <a:rPr lang="zh-CN" altLang="en-US" smtClean="0"/>
-              <a:t>2020/4/13</a:t>
+              <a:t>2020/4/14</a:t>
             </a:fld>
             <a:endParaRPr lang="zh-CN" altLang="en-US"/>
           </a:p>
@@ -2376,7 +2382,7 @@
           <a:p>
             <a:fld id="{32092218-5668-4670-9FA5-EE998BAB2E50}" type="datetimeFigureOut">
               <a:rPr lang="zh-CN" altLang="en-US" smtClean="0"/>
-              <a:t>2020/4/13</a:t>
+              <a:t>2020/4/14</a:t>
             </a:fld>
             <a:endParaRPr lang="zh-CN" altLang="en-US"/>
           </a:p>
@@ -2664,7 +2670,7 @@
           <a:p>
             <a:fld id="{32092218-5668-4670-9FA5-EE998BAB2E50}" type="datetimeFigureOut">
               <a:rPr lang="zh-CN" altLang="en-US" smtClean="0"/>
-              <a:t>2020/4/13</a:t>
+              <a:t>2020/4/14</a:t>
             </a:fld>
             <a:endParaRPr lang="zh-CN" altLang="en-US"/>
           </a:p>
@@ -2905,7 +2911,7 @@
           <a:p>
             <a:fld id="{32092218-5668-4670-9FA5-EE998BAB2E50}" type="datetimeFigureOut">
               <a:rPr lang="zh-CN" altLang="en-US" smtClean="0"/>
-              <a:t>2020/4/13</a:t>
+              <a:t>2020/4/14</a:t>
             </a:fld>
             <a:endParaRPr lang="zh-CN" altLang="en-US"/>
           </a:p>
@@ -9228,6 +9234,1927 @@
 </p:sld>
 </file>
 
+<file path=ppt/slides/slide3.xml><?xml version="1.0" encoding="utf-8"?>
+<p:sld xmlns:a="http://schemas.openxmlformats.org/drawingml/2006/main" xmlns:r="http://schemas.openxmlformats.org/officeDocument/2006/relationships" xmlns:p="http://schemas.openxmlformats.org/presentationml/2006/main">
+  <p:cSld>
+    <p:spTree>
+      <p:nvGrpSpPr>
+        <p:cNvPr id="1" name=""/>
+        <p:cNvGrpSpPr/>
+        <p:nvPr/>
+      </p:nvGrpSpPr>
+      <p:grpSpPr>
+        <a:xfrm>
+          <a:off x="0" y="0"/>
+          <a:ext cx="0" cy="0"/>
+          <a:chOff x="0" y="0"/>
+          <a:chExt cx="0" cy="0"/>
+        </a:xfrm>
+      </p:grpSpPr>
+      <p:sp>
+        <p:nvSpPr>
+          <p:cNvPr id="20" name="矩形 19">
+            <a:extLst>
+              <a:ext uri="{FF2B5EF4-FFF2-40B4-BE49-F238E27FC236}">
+                <a16:creationId xmlns:a16="http://schemas.microsoft.com/office/drawing/2014/main" id="{3288BC9D-4D75-4979-9D87-C94921627B70}"/>
+              </a:ext>
+            </a:extLst>
+          </p:cNvPr>
+          <p:cNvSpPr/>
+          <p:nvPr/>
+        </p:nvSpPr>
+        <p:spPr>
+          <a:xfrm>
+            <a:off x="1089637" y="638175"/>
+            <a:ext cx="538151" cy="406400"/>
+          </a:xfrm>
+          <a:prstGeom prst="rect">
+            <a:avLst/>
+          </a:prstGeom>
+        </p:spPr>
+        <p:style>
+          <a:lnRef idx="2">
+            <a:schemeClr val="accent1">
+              <a:shade val="50000"/>
+            </a:schemeClr>
+          </a:lnRef>
+          <a:fillRef idx="1">
+            <a:schemeClr val="accent1"/>
+          </a:fillRef>
+          <a:effectRef idx="0">
+            <a:schemeClr val="accent1"/>
+          </a:effectRef>
+          <a:fontRef idx="minor">
+            <a:schemeClr val="lt1"/>
+          </a:fontRef>
+        </p:style>
+        <p:txBody>
+          <a:bodyPr rtlCol="0" anchor="ctr"/>
+          <a:lstStyle/>
+          <a:p>
+            <a:pPr algn="ctr"/>
+            <a:r>
+              <a:rPr lang="en-US" altLang="zh-CN" dirty="0"/>
+              <a:t>3</a:t>
+            </a:r>
+            <a:endParaRPr lang="zh-CN" altLang="en-US" dirty="0"/>
+          </a:p>
+        </p:txBody>
+      </p:sp>
+      <p:sp>
+        <p:nvSpPr>
+          <p:cNvPr id="21" name="矩形 20">
+            <a:extLst>
+              <a:ext uri="{FF2B5EF4-FFF2-40B4-BE49-F238E27FC236}">
+                <a16:creationId xmlns:a16="http://schemas.microsoft.com/office/drawing/2014/main" id="{8822DBDD-D3A3-42BB-A650-6CC70D509042}"/>
+              </a:ext>
+            </a:extLst>
+          </p:cNvPr>
+          <p:cNvSpPr/>
+          <p:nvPr/>
+        </p:nvSpPr>
+        <p:spPr>
+          <a:xfrm>
+            <a:off x="5657530" y="593527"/>
+            <a:ext cx="538151" cy="406400"/>
+          </a:xfrm>
+          <a:prstGeom prst="rect">
+            <a:avLst/>
+          </a:prstGeom>
+        </p:spPr>
+        <p:style>
+          <a:lnRef idx="2">
+            <a:schemeClr val="accent1">
+              <a:shade val="50000"/>
+            </a:schemeClr>
+          </a:lnRef>
+          <a:fillRef idx="1">
+            <a:schemeClr val="accent1"/>
+          </a:fillRef>
+          <a:effectRef idx="0">
+            <a:schemeClr val="accent1"/>
+          </a:effectRef>
+          <a:fontRef idx="minor">
+            <a:schemeClr val="lt1"/>
+          </a:fontRef>
+        </p:style>
+        <p:txBody>
+          <a:bodyPr rtlCol="0" anchor="ctr"/>
+          <a:lstStyle/>
+          <a:p>
+            <a:pPr algn="ctr"/>
+            <a:r>
+              <a:rPr lang="en-US" altLang="zh-CN" dirty="0"/>
+              <a:t>2</a:t>
+            </a:r>
+            <a:endParaRPr lang="zh-CN" altLang="en-US" dirty="0"/>
+          </a:p>
+        </p:txBody>
+      </p:sp>
+      <p:sp>
+        <p:nvSpPr>
+          <p:cNvPr id="22" name="矩形 21">
+            <a:extLst>
+              <a:ext uri="{FF2B5EF4-FFF2-40B4-BE49-F238E27FC236}">
+                <a16:creationId xmlns:a16="http://schemas.microsoft.com/office/drawing/2014/main" id="{81417726-4591-4A15-A545-54BB13763D84}"/>
+              </a:ext>
+            </a:extLst>
+          </p:cNvPr>
+          <p:cNvSpPr/>
+          <p:nvPr/>
+        </p:nvSpPr>
+        <p:spPr>
+          <a:xfrm>
+            <a:off x="4845488" y="603052"/>
+            <a:ext cx="538151" cy="406400"/>
+          </a:xfrm>
+          <a:prstGeom prst="rect">
+            <a:avLst/>
+          </a:prstGeom>
+        </p:spPr>
+        <p:style>
+          <a:lnRef idx="2">
+            <a:schemeClr val="accent1">
+              <a:shade val="50000"/>
+            </a:schemeClr>
+          </a:lnRef>
+          <a:fillRef idx="1">
+            <a:schemeClr val="accent1"/>
+          </a:fillRef>
+          <a:effectRef idx="0">
+            <a:schemeClr val="accent1"/>
+          </a:effectRef>
+          <a:fontRef idx="minor">
+            <a:schemeClr val="lt1"/>
+          </a:fontRef>
+        </p:style>
+        <p:txBody>
+          <a:bodyPr rtlCol="0" anchor="ctr"/>
+          <a:lstStyle/>
+          <a:p>
+            <a:pPr algn="ctr"/>
+            <a:r>
+              <a:rPr lang="en-US" altLang="zh-CN" dirty="0"/>
+              <a:t>5</a:t>
+            </a:r>
+          </a:p>
+        </p:txBody>
+      </p:sp>
+      <p:sp>
+        <p:nvSpPr>
+          <p:cNvPr id="23" name="矩形 22">
+            <a:extLst>
+              <a:ext uri="{FF2B5EF4-FFF2-40B4-BE49-F238E27FC236}">
+                <a16:creationId xmlns:a16="http://schemas.microsoft.com/office/drawing/2014/main" id="{7E8F11F6-B6D1-4DE4-840B-C0184F559C12}"/>
+              </a:ext>
+            </a:extLst>
+          </p:cNvPr>
+          <p:cNvSpPr/>
+          <p:nvPr/>
+        </p:nvSpPr>
+        <p:spPr>
+          <a:xfrm>
+            <a:off x="3688933" y="628017"/>
+            <a:ext cx="538151" cy="406400"/>
+          </a:xfrm>
+          <a:prstGeom prst="rect">
+            <a:avLst/>
+          </a:prstGeom>
+        </p:spPr>
+        <p:style>
+          <a:lnRef idx="2">
+            <a:schemeClr val="accent1">
+              <a:shade val="50000"/>
+            </a:schemeClr>
+          </a:lnRef>
+          <a:fillRef idx="1">
+            <a:schemeClr val="accent1"/>
+          </a:fillRef>
+          <a:effectRef idx="0">
+            <a:schemeClr val="accent1"/>
+          </a:effectRef>
+          <a:fontRef idx="minor">
+            <a:schemeClr val="lt1"/>
+          </a:fontRef>
+        </p:style>
+        <p:txBody>
+          <a:bodyPr rtlCol="0" anchor="ctr"/>
+          <a:lstStyle/>
+          <a:p>
+            <a:pPr algn="ctr"/>
+            <a:r>
+              <a:rPr lang="en-US" altLang="zh-CN" dirty="0"/>
+              <a:t>10</a:t>
+            </a:r>
+            <a:endParaRPr lang="zh-CN" altLang="en-US" dirty="0"/>
+          </a:p>
+        </p:txBody>
+      </p:sp>
+      <p:sp>
+        <p:nvSpPr>
+          <p:cNvPr id="24" name="矩形 23">
+            <a:extLst>
+              <a:ext uri="{FF2B5EF4-FFF2-40B4-BE49-F238E27FC236}">
+                <a16:creationId xmlns:a16="http://schemas.microsoft.com/office/drawing/2014/main" id="{A7F69C9D-E892-49B9-B8A5-4FC9017E47E7}"/>
+              </a:ext>
+            </a:extLst>
+          </p:cNvPr>
+          <p:cNvSpPr/>
+          <p:nvPr/>
+        </p:nvSpPr>
+        <p:spPr>
+          <a:xfrm>
+            <a:off x="2824809" y="628017"/>
+            <a:ext cx="538151" cy="406400"/>
+          </a:xfrm>
+          <a:prstGeom prst="rect">
+            <a:avLst/>
+          </a:prstGeom>
+        </p:spPr>
+        <p:style>
+          <a:lnRef idx="2">
+            <a:schemeClr val="accent1">
+              <a:shade val="50000"/>
+            </a:schemeClr>
+          </a:lnRef>
+          <a:fillRef idx="1">
+            <a:schemeClr val="accent1"/>
+          </a:fillRef>
+          <a:effectRef idx="0">
+            <a:schemeClr val="accent1"/>
+          </a:effectRef>
+          <a:fontRef idx="minor">
+            <a:schemeClr val="lt1"/>
+          </a:fontRef>
+        </p:style>
+        <p:txBody>
+          <a:bodyPr rtlCol="0" anchor="ctr"/>
+          <a:lstStyle/>
+          <a:p>
+            <a:pPr algn="ctr"/>
+            <a:r>
+              <a:rPr lang="en-US" altLang="zh-CN" dirty="0"/>
+              <a:t>1</a:t>
+            </a:r>
+            <a:endParaRPr lang="zh-CN" altLang="en-US" dirty="0"/>
+          </a:p>
+        </p:txBody>
+      </p:sp>
+      <p:sp>
+        <p:nvSpPr>
+          <p:cNvPr id="26" name="矩形 25">
+            <a:extLst>
+              <a:ext uri="{FF2B5EF4-FFF2-40B4-BE49-F238E27FC236}">
+                <a16:creationId xmlns:a16="http://schemas.microsoft.com/office/drawing/2014/main" id="{CACDCB68-B4F7-4128-9222-83E6CA52F229}"/>
+              </a:ext>
+            </a:extLst>
+          </p:cNvPr>
+          <p:cNvSpPr/>
+          <p:nvPr/>
+        </p:nvSpPr>
+        <p:spPr>
+          <a:xfrm>
+            <a:off x="1943607" y="638175"/>
+            <a:ext cx="538151" cy="406400"/>
+          </a:xfrm>
+          <a:prstGeom prst="rect">
+            <a:avLst/>
+          </a:prstGeom>
+        </p:spPr>
+        <p:style>
+          <a:lnRef idx="2">
+            <a:schemeClr val="accent1">
+              <a:shade val="50000"/>
+            </a:schemeClr>
+          </a:lnRef>
+          <a:fillRef idx="1">
+            <a:schemeClr val="accent1"/>
+          </a:fillRef>
+          <a:effectRef idx="0">
+            <a:schemeClr val="accent1"/>
+          </a:effectRef>
+          <a:fontRef idx="minor">
+            <a:schemeClr val="lt1"/>
+          </a:fontRef>
+        </p:style>
+        <p:txBody>
+          <a:bodyPr rtlCol="0" anchor="ctr"/>
+          <a:lstStyle/>
+          <a:p>
+            <a:pPr algn="ctr"/>
+            <a:r>
+              <a:rPr lang="en-US" altLang="zh-CN" dirty="0"/>
+              <a:t>9</a:t>
+            </a:r>
+            <a:endParaRPr lang="zh-CN" altLang="en-US" dirty="0"/>
+          </a:p>
+        </p:txBody>
+      </p:sp>
+      <p:sp>
+        <p:nvSpPr>
+          <p:cNvPr id="27" name="矩形 26">
+            <a:extLst>
+              <a:ext uri="{FF2B5EF4-FFF2-40B4-BE49-F238E27FC236}">
+                <a16:creationId xmlns:a16="http://schemas.microsoft.com/office/drawing/2014/main" id="{CF0D23AA-D952-455D-B0B3-1EAA72699D4E}"/>
+              </a:ext>
+            </a:extLst>
+          </p:cNvPr>
+          <p:cNvSpPr/>
+          <p:nvPr/>
+        </p:nvSpPr>
+        <p:spPr>
+          <a:xfrm>
+            <a:off x="6539287" y="593527"/>
+            <a:ext cx="538151" cy="406400"/>
+          </a:xfrm>
+          <a:prstGeom prst="rect">
+            <a:avLst/>
+          </a:prstGeom>
+        </p:spPr>
+        <p:style>
+          <a:lnRef idx="2">
+            <a:schemeClr val="accent1">
+              <a:shade val="50000"/>
+            </a:schemeClr>
+          </a:lnRef>
+          <a:fillRef idx="1">
+            <a:schemeClr val="accent1"/>
+          </a:fillRef>
+          <a:effectRef idx="0">
+            <a:schemeClr val="accent1"/>
+          </a:effectRef>
+          <a:fontRef idx="minor">
+            <a:schemeClr val="lt1"/>
+          </a:fontRef>
+        </p:style>
+        <p:txBody>
+          <a:bodyPr rtlCol="0" anchor="ctr"/>
+          <a:lstStyle/>
+          <a:p>
+            <a:pPr algn="ctr"/>
+            <a:r>
+              <a:rPr lang="en-US" altLang="zh-CN" dirty="0"/>
+              <a:t>7</a:t>
+            </a:r>
+            <a:endParaRPr lang="zh-CN" altLang="en-US" dirty="0"/>
+          </a:p>
+        </p:txBody>
+      </p:sp>
+      <p:sp>
+        <p:nvSpPr>
+          <p:cNvPr id="28" name="矩形 27">
+            <a:extLst>
+              <a:ext uri="{FF2B5EF4-FFF2-40B4-BE49-F238E27FC236}">
+                <a16:creationId xmlns:a16="http://schemas.microsoft.com/office/drawing/2014/main" id="{E3DAEEE8-A79C-4533-888B-5D7B20FE10FD}"/>
+              </a:ext>
+            </a:extLst>
+          </p:cNvPr>
+          <p:cNvSpPr/>
+          <p:nvPr/>
+        </p:nvSpPr>
+        <p:spPr>
+          <a:xfrm>
+            <a:off x="7421044" y="593527"/>
+            <a:ext cx="538151" cy="406400"/>
+          </a:xfrm>
+          <a:prstGeom prst="rect">
+            <a:avLst/>
+          </a:prstGeom>
+        </p:spPr>
+        <p:style>
+          <a:lnRef idx="2">
+            <a:schemeClr val="accent1">
+              <a:shade val="50000"/>
+            </a:schemeClr>
+          </a:lnRef>
+          <a:fillRef idx="1">
+            <a:schemeClr val="accent1"/>
+          </a:fillRef>
+          <a:effectRef idx="0">
+            <a:schemeClr val="accent1"/>
+          </a:effectRef>
+          <a:fontRef idx="minor">
+            <a:schemeClr val="lt1"/>
+          </a:fontRef>
+        </p:style>
+        <p:txBody>
+          <a:bodyPr rtlCol="0" anchor="ctr"/>
+          <a:lstStyle/>
+          <a:p>
+            <a:pPr algn="ctr"/>
+            <a:r>
+              <a:rPr lang="en-US" altLang="zh-CN" dirty="0"/>
+              <a:t>3</a:t>
+            </a:r>
+            <a:endParaRPr lang="zh-CN" altLang="en-US" dirty="0"/>
+          </a:p>
+        </p:txBody>
+      </p:sp>
+      <p:cxnSp>
+        <p:nvCxnSpPr>
+          <p:cNvPr id="30" name="直接连接符 29">
+            <a:extLst>
+              <a:ext uri="{FF2B5EF4-FFF2-40B4-BE49-F238E27FC236}">
+                <a16:creationId xmlns:a16="http://schemas.microsoft.com/office/drawing/2014/main" id="{5B47BE22-7261-46D5-AE13-C27B96220731}"/>
+              </a:ext>
+            </a:extLst>
+          </p:cNvPr>
+          <p:cNvCxnSpPr>
+            <a:cxnSpLocks/>
+          </p:cNvCxnSpPr>
+          <p:nvPr/>
+        </p:nvCxnSpPr>
+        <p:spPr>
+          <a:xfrm>
+            <a:off x="4643120" y="350322"/>
+            <a:ext cx="0" cy="1079500"/>
+          </a:xfrm>
+          <a:prstGeom prst="line">
+            <a:avLst/>
+          </a:prstGeom>
+          <a:ln w="76200">
+            <a:prstDash val="dash"/>
+          </a:ln>
+        </p:spPr>
+        <p:style>
+          <a:lnRef idx="1">
+            <a:schemeClr val="accent1"/>
+          </a:lnRef>
+          <a:fillRef idx="0">
+            <a:schemeClr val="accent1"/>
+          </a:fillRef>
+          <a:effectRef idx="0">
+            <a:schemeClr val="accent1"/>
+          </a:effectRef>
+          <a:fontRef idx="minor">
+            <a:schemeClr val="tx1"/>
+          </a:fontRef>
+        </p:style>
+      </p:cxnSp>
+      <p:sp>
+        <p:nvSpPr>
+          <p:cNvPr id="31" name="矩形 30">
+            <a:extLst>
+              <a:ext uri="{FF2B5EF4-FFF2-40B4-BE49-F238E27FC236}">
+                <a16:creationId xmlns:a16="http://schemas.microsoft.com/office/drawing/2014/main" id="{508877DB-F254-4342-9FAD-F94FF1A8F194}"/>
+              </a:ext>
+            </a:extLst>
+          </p:cNvPr>
+          <p:cNvSpPr/>
+          <p:nvPr/>
+        </p:nvSpPr>
+        <p:spPr>
+          <a:xfrm>
+            <a:off x="990600" y="514350"/>
+            <a:ext cx="3511837" cy="654050"/>
+          </a:xfrm>
+          <a:prstGeom prst="rect">
+            <a:avLst/>
+          </a:prstGeom>
+          <a:noFill/>
+          <a:ln w="38100">
+            <a:solidFill>
+              <a:srgbClr val="FFC000"/>
+            </a:solidFill>
+            <a:prstDash val="dashDot"/>
+          </a:ln>
+        </p:spPr>
+        <p:style>
+          <a:lnRef idx="2">
+            <a:schemeClr val="accent1">
+              <a:shade val="50000"/>
+            </a:schemeClr>
+          </a:lnRef>
+          <a:fillRef idx="1">
+            <a:schemeClr val="accent1"/>
+          </a:fillRef>
+          <a:effectRef idx="0">
+            <a:schemeClr val="accent1"/>
+          </a:effectRef>
+          <a:fontRef idx="minor">
+            <a:schemeClr val="lt1"/>
+          </a:fontRef>
+        </p:style>
+        <p:txBody>
+          <a:bodyPr rtlCol="0" anchor="ctr"/>
+          <a:lstStyle/>
+          <a:p>
+            <a:pPr algn="ctr"/>
+            <a:endParaRPr lang="zh-CN" altLang="en-US"/>
+          </a:p>
+        </p:txBody>
+      </p:sp>
+      <p:sp>
+        <p:nvSpPr>
+          <p:cNvPr id="32" name="矩形 31">
+            <a:extLst>
+              <a:ext uri="{FF2B5EF4-FFF2-40B4-BE49-F238E27FC236}">
+                <a16:creationId xmlns:a16="http://schemas.microsoft.com/office/drawing/2014/main" id="{909A58B4-C110-4AE1-870B-F7D19A28A745}"/>
+              </a:ext>
+            </a:extLst>
+          </p:cNvPr>
+          <p:cNvSpPr/>
+          <p:nvPr/>
+        </p:nvSpPr>
+        <p:spPr>
+          <a:xfrm>
+            <a:off x="7621018" y="3757612"/>
+            <a:ext cx="4977285" cy="981075"/>
+          </a:xfrm>
+          <a:prstGeom prst="rect">
+            <a:avLst/>
+          </a:prstGeom>
+          <a:noFill/>
+          <a:ln w="38100">
+            <a:solidFill>
+              <a:srgbClr val="FFC000"/>
+            </a:solidFill>
+            <a:prstDash val="dashDot"/>
+          </a:ln>
+        </p:spPr>
+        <p:style>
+          <a:lnRef idx="2">
+            <a:schemeClr val="accent1">
+              <a:shade val="50000"/>
+            </a:schemeClr>
+          </a:lnRef>
+          <a:fillRef idx="1">
+            <a:schemeClr val="accent1"/>
+          </a:fillRef>
+          <a:effectRef idx="0">
+            <a:schemeClr val="accent1"/>
+          </a:effectRef>
+          <a:fontRef idx="minor">
+            <a:schemeClr val="lt1"/>
+          </a:fontRef>
+        </p:style>
+        <p:txBody>
+          <a:bodyPr rtlCol="0" anchor="ctr"/>
+          <a:lstStyle/>
+          <a:p>
+            <a:pPr algn="ctr"/>
+            <a:endParaRPr lang="zh-CN" altLang="en-US"/>
+          </a:p>
+        </p:txBody>
+      </p:sp>
+      <p:sp>
+        <p:nvSpPr>
+          <p:cNvPr id="38" name="箭头: 下 37">
+            <a:extLst>
+              <a:ext uri="{FF2B5EF4-FFF2-40B4-BE49-F238E27FC236}">
+                <a16:creationId xmlns:a16="http://schemas.microsoft.com/office/drawing/2014/main" id="{74D97A68-612E-4157-A346-BF283F419E56}"/>
+              </a:ext>
+            </a:extLst>
+          </p:cNvPr>
+          <p:cNvSpPr/>
+          <p:nvPr/>
+        </p:nvSpPr>
+        <p:spPr>
+          <a:xfrm>
+            <a:off x="2212682" y="1225869"/>
+            <a:ext cx="854710" cy="654050"/>
+          </a:xfrm>
+          <a:prstGeom prst="downArrow">
+            <a:avLst/>
+          </a:prstGeom>
+        </p:spPr>
+        <p:style>
+          <a:lnRef idx="2">
+            <a:schemeClr val="accent1">
+              <a:shade val="50000"/>
+            </a:schemeClr>
+          </a:lnRef>
+          <a:fillRef idx="1">
+            <a:schemeClr val="accent1"/>
+          </a:fillRef>
+          <a:effectRef idx="0">
+            <a:schemeClr val="accent1"/>
+          </a:effectRef>
+          <a:fontRef idx="minor">
+            <a:schemeClr val="lt1"/>
+          </a:fontRef>
+        </p:style>
+        <p:txBody>
+          <a:bodyPr rtlCol="0" anchor="ctr"/>
+          <a:lstStyle/>
+          <a:p>
+            <a:pPr algn="ctr"/>
+            <a:endParaRPr lang="zh-CN" altLang="en-US"/>
+          </a:p>
+        </p:txBody>
+      </p:sp>
+      <p:sp>
+        <p:nvSpPr>
+          <p:cNvPr id="39" name="矩形 38">
+            <a:extLst>
+              <a:ext uri="{FF2B5EF4-FFF2-40B4-BE49-F238E27FC236}">
+                <a16:creationId xmlns:a16="http://schemas.microsoft.com/office/drawing/2014/main" id="{E9ADF749-F2A8-470E-8FF2-D5876F5E1D8F}"/>
+              </a:ext>
+            </a:extLst>
+          </p:cNvPr>
+          <p:cNvSpPr/>
+          <p:nvPr/>
+        </p:nvSpPr>
+        <p:spPr>
+          <a:xfrm>
+            <a:off x="1111428" y="2140585"/>
+            <a:ext cx="538151" cy="406400"/>
+          </a:xfrm>
+          <a:prstGeom prst="rect">
+            <a:avLst/>
+          </a:prstGeom>
+        </p:spPr>
+        <p:style>
+          <a:lnRef idx="2">
+            <a:schemeClr val="accent1">
+              <a:shade val="50000"/>
+            </a:schemeClr>
+          </a:lnRef>
+          <a:fillRef idx="1">
+            <a:schemeClr val="accent1"/>
+          </a:fillRef>
+          <a:effectRef idx="0">
+            <a:schemeClr val="accent1"/>
+          </a:effectRef>
+          <a:fontRef idx="minor">
+            <a:schemeClr val="lt1"/>
+          </a:fontRef>
+        </p:style>
+        <p:txBody>
+          <a:bodyPr rtlCol="0" anchor="ctr"/>
+          <a:lstStyle/>
+          <a:p>
+            <a:pPr algn="ctr"/>
+            <a:r>
+              <a:rPr lang="en-US" altLang="zh-CN" dirty="0"/>
+              <a:t>3</a:t>
+            </a:r>
+            <a:endParaRPr lang="zh-CN" altLang="en-US" dirty="0"/>
+          </a:p>
+        </p:txBody>
+      </p:sp>
+      <p:sp>
+        <p:nvSpPr>
+          <p:cNvPr id="40" name="矩形 39">
+            <a:extLst>
+              <a:ext uri="{FF2B5EF4-FFF2-40B4-BE49-F238E27FC236}">
+                <a16:creationId xmlns:a16="http://schemas.microsoft.com/office/drawing/2014/main" id="{E1B94BB8-146C-40F3-9B1A-D334C08932E8}"/>
+              </a:ext>
+            </a:extLst>
+          </p:cNvPr>
+          <p:cNvSpPr/>
+          <p:nvPr/>
+        </p:nvSpPr>
+        <p:spPr>
+          <a:xfrm>
+            <a:off x="3688932" y="2136194"/>
+            <a:ext cx="538151" cy="406400"/>
+          </a:xfrm>
+          <a:prstGeom prst="rect">
+            <a:avLst/>
+          </a:prstGeom>
+        </p:spPr>
+        <p:style>
+          <a:lnRef idx="2">
+            <a:schemeClr val="accent1">
+              <a:shade val="50000"/>
+            </a:schemeClr>
+          </a:lnRef>
+          <a:fillRef idx="1">
+            <a:schemeClr val="accent1"/>
+          </a:fillRef>
+          <a:effectRef idx="0">
+            <a:schemeClr val="accent1"/>
+          </a:effectRef>
+          <a:fontRef idx="minor">
+            <a:schemeClr val="lt1"/>
+          </a:fontRef>
+        </p:style>
+        <p:txBody>
+          <a:bodyPr rtlCol="0" anchor="ctr"/>
+          <a:lstStyle/>
+          <a:p>
+            <a:pPr algn="ctr"/>
+            <a:r>
+              <a:rPr lang="en-US" altLang="zh-CN" dirty="0"/>
+              <a:t>10</a:t>
+            </a:r>
+            <a:endParaRPr lang="zh-CN" altLang="en-US" dirty="0"/>
+          </a:p>
+        </p:txBody>
+      </p:sp>
+      <p:sp>
+        <p:nvSpPr>
+          <p:cNvPr id="41" name="矩形 40">
+            <a:extLst>
+              <a:ext uri="{FF2B5EF4-FFF2-40B4-BE49-F238E27FC236}">
+                <a16:creationId xmlns:a16="http://schemas.microsoft.com/office/drawing/2014/main" id="{C4D7CB8D-B77B-487D-A6E2-CADE70B7FB76}"/>
+              </a:ext>
+            </a:extLst>
+          </p:cNvPr>
+          <p:cNvSpPr/>
+          <p:nvPr/>
+        </p:nvSpPr>
+        <p:spPr>
+          <a:xfrm>
+            <a:off x="2803861" y="2140585"/>
+            <a:ext cx="538151" cy="406400"/>
+          </a:xfrm>
+          <a:prstGeom prst="rect">
+            <a:avLst/>
+          </a:prstGeom>
+        </p:spPr>
+        <p:style>
+          <a:lnRef idx="2">
+            <a:schemeClr val="accent1">
+              <a:shade val="50000"/>
+            </a:schemeClr>
+          </a:lnRef>
+          <a:fillRef idx="1">
+            <a:schemeClr val="accent1"/>
+          </a:fillRef>
+          <a:effectRef idx="0">
+            <a:schemeClr val="accent1"/>
+          </a:effectRef>
+          <a:fontRef idx="minor">
+            <a:schemeClr val="lt1"/>
+          </a:fontRef>
+        </p:style>
+        <p:txBody>
+          <a:bodyPr rtlCol="0" anchor="ctr"/>
+          <a:lstStyle/>
+          <a:p>
+            <a:pPr algn="ctr"/>
+            <a:r>
+              <a:rPr lang="en-US" altLang="zh-CN" dirty="0"/>
+              <a:t>1</a:t>
+            </a:r>
+            <a:endParaRPr lang="zh-CN" altLang="en-US" dirty="0"/>
+          </a:p>
+        </p:txBody>
+      </p:sp>
+      <p:sp>
+        <p:nvSpPr>
+          <p:cNvPr id="42" name="矩形 41">
+            <a:extLst>
+              <a:ext uri="{FF2B5EF4-FFF2-40B4-BE49-F238E27FC236}">
+                <a16:creationId xmlns:a16="http://schemas.microsoft.com/office/drawing/2014/main" id="{4583A977-1CB4-4130-8D0F-3D2E89546294}"/>
+              </a:ext>
+            </a:extLst>
+          </p:cNvPr>
+          <p:cNvSpPr/>
+          <p:nvPr/>
+        </p:nvSpPr>
+        <p:spPr>
+          <a:xfrm>
+            <a:off x="1943607" y="2168316"/>
+            <a:ext cx="538151" cy="406400"/>
+          </a:xfrm>
+          <a:prstGeom prst="rect">
+            <a:avLst/>
+          </a:prstGeom>
+        </p:spPr>
+        <p:style>
+          <a:lnRef idx="2">
+            <a:schemeClr val="accent1">
+              <a:shade val="50000"/>
+            </a:schemeClr>
+          </a:lnRef>
+          <a:fillRef idx="1">
+            <a:schemeClr val="accent1"/>
+          </a:fillRef>
+          <a:effectRef idx="0">
+            <a:schemeClr val="accent1"/>
+          </a:effectRef>
+          <a:fontRef idx="minor">
+            <a:schemeClr val="lt1"/>
+          </a:fontRef>
+        </p:style>
+        <p:txBody>
+          <a:bodyPr rtlCol="0" anchor="ctr"/>
+          <a:lstStyle/>
+          <a:p>
+            <a:pPr algn="ctr"/>
+            <a:r>
+              <a:rPr lang="en-US" altLang="zh-CN" dirty="0"/>
+              <a:t>9</a:t>
+            </a:r>
+            <a:endParaRPr lang="zh-CN" altLang="en-US" dirty="0"/>
+          </a:p>
+        </p:txBody>
+      </p:sp>
+      <p:cxnSp>
+        <p:nvCxnSpPr>
+          <p:cNvPr id="43" name="直接连接符 42">
+            <a:extLst>
+              <a:ext uri="{FF2B5EF4-FFF2-40B4-BE49-F238E27FC236}">
+                <a16:creationId xmlns:a16="http://schemas.microsoft.com/office/drawing/2014/main" id="{45007D20-5F7D-4227-BEA3-EDE7B0D4D1C3}"/>
+              </a:ext>
+            </a:extLst>
+          </p:cNvPr>
+          <p:cNvCxnSpPr>
+            <a:cxnSpLocks/>
+          </p:cNvCxnSpPr>
+          <p:nvPr/>
+        </p:nvCxnSpPr>
+        <p:spPr>
+          <a:xfrm>
+            <a:off x="2640037" y="2104073"/>
+            <a:ext cx="0" cy="470643"/>
+          </a:xfrm>
+          <a:prstGeom prst="line">
+            <a:avLst/>
+          </a:prstGeom>
+          <a:ln w="76200">
+            <a:prstDash val="dash"/>
+          </a:ln>
+        </p:spPr>
+        <p:style>
+          <a:lnRef idx="1">
+            <a:schemeClr val="accent1"/>
+          </a:lnRef>
+          <a:fillRef idx="0">
+            <a:schemeClr val="accent1"/>
+          </a:fillRef>
+          <a:effectRef idx="0">
+            <a:schemeClr val="accent1"/>
+          </a:effectRef>
+          <a:fontRef idx="minor">
+            <a:schemeClr val="tx1"/>
+          </a:fontRef>
+        </p:style>
+      </p:cxnSp>
+      <p:sp>
+        <p:nvSpPr>
+          <p:cNvPr id="44" name="矩形 43">
+            <a:extLst>
+              <a:ext uri="{FF2B5EF4-FFF2-40B4-BE49-F238E27FC236}">
+                <a16:creationId xmlns:a16="http://schemas.microsoft.com/office/drawing/2014/main" id="{12EFC349-E1D0-41B9-8E99-CD1F7A2E2B47}"/>
+              </a:ext>
+            </a:extLst>
+          </p:cNvPr>
+          <p:cNvSpPr/>
+          <p:nvPr/>
+        </p:nvSpPr>
+        <p:spPr>
+          <a:xfrm>
+            <a:off x="873461" y="2044491"/>
+            <a:ext cx="1654385" cy="654050"/>
+          </a:xfrm>
+          <a:prstGeom prst="rect">
+            <a:avLst/>
+          </a:prstGeom>
+          <a:noFill/>
+          <a:ln w="38100">
+            <a:solidFill>
+              <a:srgbClr val="FFC000"/>
+            </a:solidFill>
+            <a:prstDash val="dashDot"/>
+          </a:ln>
+        </p:spPr>
+        <p:style>
+          <a:lnRef idx="2">
+            <a:schemeClr val="accent1">
+              <a:shade val="50000"/>
+            </a:schemeClr>
+          </a:lnRef>
+          <a:fillRef idx="1">
+            <a:schemeClr val="accent1"/>
+          </a:fillRef>
+          <a:effectRef idx="0">
+            <a:schemeClr val="accent1"/>
+          </a:effectRef>
+          <a:fontRef idx="minor">
+            <a:schemeClr val="lt1"/>
+          </a:fontRef>
+        </p:style>
+        <p:txBody>
+          <a:bodyPr rtlCol="0" anchor="ctr"/>
+          <a:lstStyle/>
+          <a:p>
+            <a:pPr algn="ctr"/>
+            <a:endParaRPr lang="zh-CN" altLang="en-US"/>
+          </a:p>
+        </p:txBody>
+      </p:sp>
+      <p:sp>
+        <p:nvSpPr>
+          <p:cNvPr id="45" name="箭头: 下 44">
+            <a:extLst>
+              <a:ext uri="{FF2B5EF4-FFF2-40B4-BE49-F238E27FC236}">
+                <a16:creationId xmlns:a16="http://schemas.microsoft.com/office/drawing/2014/main" id="{AC2EF741-525F-441A-8A92-677B63402C22}"/>
+              </a:ext>
+            </a:extLst>
+          </p:cNvPr>
+          <p:cNvSpPr/>
+          <p:nvPr/>
+        </p:nvSpPr>
+        <p:spPr>
+          <a:xfrm>
+            <a:off x="1333219" y="2822366"/>
+            <a:ext cx="854710" cy="654050"/>
+          </a:xfrm>
+          <a:prstGeom prst="downArrow">
+            <a:avLst/>
+          </a:prstGeom>
+        </p:spPr>
+        <p:style>
+          <a:lnRef idx="2">
+            <a:schemeClr val="accent1">
+              <a:shade val="50000"/>
+            </a:schemeClr>
+          </a:lnRef>
+          <a:fillRef idx="1">
+            <a:schemeClr val="accent1"/>
+          </a:fillRef>
+          <a:effectRef idx="0">
+            <a:schemeClr val="accent1"/>
+          </a:effectRef>
+          <a:fontRef idx="minor">
+            <a:schemeClr val="lt1"/>
+          </a:fontRef>
+        </p:style>
+        <p:txBody>
+          <a:bodyPr rtlCol="0" anchor="ctr"/>
+          <a:lstStyle/>
+          <a:p>
+            <a:pPr algn="ctr"/>
+            <a:endParaRPr lang="zh-CN" altLang="en-US"/>
+          </a:p>
+        </p:txBody>
+      </p:sp>
+      <p:sp>
+        <p:nvSpPr>
+          <p:cNvPr id="46" name="矩形 45">
+            <a:extLst>
+              <a:ext uri="{FF2B5EF4-FFF2-40B4-BE49-F238E27FC236}">
+                <a16:creationId xmlns:a16="http://schemas.microsoft.com/office/drawing/2014/main" id="{2AA3F48D-D757-41FB-8800-993AA9AF3D8A}"/>
+              </a:ext>
+            </a:extLst>
+          </p:cNvPr>
+          <p:cNvSpPr/>
+          <p:nvPr/>
+        </p:nvSpPr>
+        <p:spPr>
+          <a:xfrm>
+            <a:off x="1089637" y="3600241"/>
+            <a:ext cx="538151" cy="406400"/>
+          </a:xfrm>
+          <a:prstGeom prst="rect">
+            <a:avLst/>
+          </a:prstGeom>
+        </p:spPr>
+        <p:style>
+          <a:lnRef idx="2">
+            <a:schemeClr val="accent1">
+              <a:shade val="50000"/>
+            </a:schemeClr>
+          </a:lnRef>
+          <a:fillRef idx="1">
+            <a:schemeClr val="accent1"/>
+          </a:fillRef>
+          <a:effectRef idx="0">
+            <a:schemeClr val="accent1"/>
+          </a:effectRef>
+          <a:fontRef idx="minor">
+            <a:schemeClr val="lt1"/>
+          </a:fontRef>
+        </p:style>
+        <p:txBody>
+          <a:bodyPr rtlCol="0" anchor="ctr"/>
+          <a:lstStyle/>
+          <a:p>
+            <a:pPr algn="ctr"/>
+            <a:r>
+              <a:rPr lang="en-US" altLang="zh-CN" dirty="0"/>
+              <a:t>3</a:t>
+            </a:r>
+            <a:endParaRPr lang="zh-CN" altLang="en-US" dirty="0"/>
+          </a:p>
+        </p:txBody>
+      </p:sp>
+      <p:sp>
+        <p:nvSpPr>
+          <p:cNvPr id="47" name="矩形 46">
+            <a:extLst>
+              <a:ext uri="{FF2B5EF4-FFF2-40B4-BE49-F238E27FC236}">
+                <a16:creationId xmlns:a16="http://schemas.microsoft.com/office/drawing/2014/main" id="{8B2DE6BE-459D-490F-9B4F-FE8589D305D0}"/>
+              </a:ext>
+            </a:extLst>
+          </p:cNvPr>
+          <p:cNvSpPr/>
+          <p:nvPr/>
+        </p:nvSpPr>
+        <p:spPr>
+          <a:xfrm>
+            <a:off x="2033726" y="3552559"/>
+            <a:ext cx="538151" cy="406400"/>
+          </a:xfrm>
+          <a:prstGeom prst="rect">
+            <a:avLst/>
+          </a:prstGeom>
+        </p:spPr>
+        <p:style>
+          <a:lnRef idx="2">
+            <a:schemeClr val="accent1">
+              <a:shade val="50000"/>
+            </a:schemeClr>
+          </a:lnRef>
+          <a:fillRef idx="1">
+            <a:schemeClr val="accent1"/>
+          </a:fillRef>
+          <a:effectRef idx="0">
+            <a:schemeClr val="accent1"/>
+          </a:effectRef>
+          <a:fontRef idx="minor">
+            <a:schemeClr val="lt1"/>
+          </a:fontRef>
+        </p:style>
+        <p:txBody>
+          <a:bodyPr rtlCol="0" anchor="ctr"/>
+          <a:lstStyle/>
+          <a:p>
+            <a:pPr algn="ctr"/>
+            <a:r>
+              <a:rPr lang="en-US" altLang="zh-CN" dirty="0"/>
+              <a:t>9</a:t>
+            </a:r>
+            <a:endParaRPr lang="zh-CN" altLang="en-US" dirty="0"/>
+          </a:p>
+        </p:txBody>
+      </p:sp>
+      <p:cxnSp>
+        <p:nvCxnSpPr>
+          <p:cNvPr id="48" name="直接连接符 47">
+            <a:extLst>
+              <a:ext uri="{FF2B5EF4-FFF2-40B4-BE49-F238E27FC236}">
+                <a16:creationId xmlns:a16="http://schemas.microsoft.com/office/drawing/2014/main" id="{6835B74F-79B1-4608-A383-BAF2AD7C6297}"/>
+              </a:ext>
+            </a:extLst>
+          </p:cNvPr>
+          <p:cNvCxnSpPr>
+            <a:cxnSpLocks/>
+          </p:cNvCxnSpPr>
+          <p:nvPr/>
+        </p:nvCxnSpPr>
+        <p:spPr>
+          <a:xfrm>
+            <a:off x="1887269" y="3521507"/>
+            <a:ext cx="0" cy="511809"/>
+          </a:xfrm>
+          <a:prstGeom prst="line">
+            <a:avLst/>
+          </a:prstGeom>
+          <a:ln w="76200">
+            <a:prstDash val="dash"/>
+          </a:ln>
+        </p:spPr>
+        <p:style>
+          <a:lnRef idx="1">
+            <a:schemeClr val="accent1"/>
+          </a:lnRef>
+          <a:fillRef idx="0">
+            <a:schemeClr val="accent1"/>
+          </a:fillRef>
+          <a:effectRef idx="0">
+            <a:schemeClr val="accent1"/>
+          </a:effectRef>
+          <a:fontRef idx="minor">
+            <a:schemeClr val="tx1"/>
+          </a:fontRef>
+        </p:style>
+      </p:cxnSp>
+      <p:cxnSp>
+        <p:nvCxnSpPr>
+          <p:cNvPr id="51" name="直接箭头连接符 50">
+            <a:extLst>
+              <a:ext uri="{FF2B5EF4-FFF2-40B4-BE49-F238E27FC236}">
+                <a16:creationId xmlns:a16="http://schemas.microsoft.com/office/drawing/2014/main" id="{187F6A38-9926-4914-AF1C-90B5AE97B521}"/>
+              </a:ext>
+            </a:extLst>
+          </p:cNvPr>
+          <p:cNvCxnSpPr>
+            <a:cxnSpLocks/>
+          </p:cNvCxnSpPr>
+          <p:nvPr/>
+        </p:nvCxnSpPr>
+        <p:spPr>
+          <a:xfrm flipV="1">
+            <a:off x="1343228" y="4014515"/>
+            <a:ext cx="0" cy="199814"/>
+          </a:xfrm>
+          <a:prstGeom prst="straightConnector1">
+            <a:avLst/>
+          </a:prstGeom>
+          <a:ln>
+            <a:tailEnd type="triangle"/>
+          </a:ln>
+        </p:spPr>
+        <p:style>
+          <a:lnRef idx="1">
+            <a:schemeClr val="accent1"/>
+          </a:lnRef>
+          <a:fillRef idx="0">
+            <a:schemeClr val="accent1"/>
+          </a:fillRef>
+          <a:effectRef idx="0">
+            <a:schemeClr val="accent1"/>
+          </a:effectRef>
+          <a:fontRef idx="minor">
+            <a:schemeClr val="tx1"/>
+          </a:fontRef>
+        </p:style>
+      </p:cxnSp>
+      <p:sp>
+        <p:nvSpPr>
+          <p:cNvPr id="52" name="文本框 51">
+            <a:extLst>
+              <a:ext uri="{FF2B5EF4-FFF2-40B4-BE49-F238E27FC236}">
+                <a16:creationId xmlns:a16="http://schemas.microsoft.com/office/drawing/2014/main" id="{EB41F3FC-F126-411A-84AB-86FE458FDD30}"/>
+              </a:ext>
+            </a:extLst>
+          </p:cNvPr>
+          <p:cNvSpPr txBox="1"/>
+          <p:nvPr/>
+        </p:nvSpPr>
+        <p:spPr>
+          <a:xfrm>
+            <a:off x="1111428" y="4182818"/>
+            <a:ext cx="465686" cy="369332"/>
+          </a:xfrm>
+          <a:prstGeom prst="rect">
+            <a:avLst/>
+          </a:prstGeom>
+          <a:noFill/>
+        </p:spPr>
+        <p:txBody>
+          <a:bodyPr wrap="square" rtlCol="0">
+            <a:spAutoFit/>
+          </a:bodyPr>
+          <a:lstStyle/>
+          <a:p>
+            <a:r>
+              <a:rPr lang="en-US" altLang="zh-CN" dirty="0"/>
+              <a:t>P1</a:t>
+            </a:r>
+            <a:endParaRPr lang="zh-CN" altLang="en-US" dirty="0"/>
+          </a:p>
+        </p:txBody>
+      </p:sp>
+      <p:sp>
+        <p:nvSpPr>
+          <p:cNvPr id="53" name="文本框 52">
+            <a:extLst>
+              <a:ext uri="{FF2B5EF4-FFF2-40B4-BE49-F238E27FC236}">
+                <a16:creationId xmlns:a16="http://schemas.microsoft.com/office/drawing/2014/main" id="{A39B6CB5-09A0-4FF1-AB6A-42ED82D6D3FE}"/>
+              </a:ext>
+            </a:extLst>
+          </p:cNvPr>
+          <p:cNvSpPr txBox="1"/>
+          <p:nvPr/>
+        </p:nvSpPr>
+        <p:spPr>
+          <a:xfrm>
+            <a:off x="2171828" y="4138560"/>
+            <a:ext cx="465691" cy="369332"/>
+          </a:xfrm>
+          <a:prstGeom prst="rect">
+            <a:avLst/>
+          </a:prstGeom>
+          <a:noFill/>
+        </p:spPr>
+        <p:txBody>
+          <a:bodyPr wrap="square" rtlCol="0">
+            <a:spAutoFit/>
+          </a:bodyPr>
+          <a:lstStyle/>
+          <a:p>
+            <a:r>
+              <a:rPr lang="en-US" altLang="zh-CN" dirty="0"/>
+              <a:t>P2</a:t>
+            </a:r>
+            <a:endParaRPr lang="zh-CN" altLang="en-US" dirty="0"/>
+          </a:p>
+        </p:txBody>
+      </p:sp>
+      <p:cxnSp>
+        <p:nvCxnSpPr>
+          <p:cNvPr id="54" name="直接箭头连接符 53">
+            <a:extLst>
+              <a:ext uri="{FF2B5EF4-FFF2-40B4-BE49-F238E27FC236}">
+                <a16:creationId xmlns:a16="http://schemas.microsoft.com/office/drawing/2014/main" id="{4C012981-3568-4CC0-B5BA-DB7048358616}"/>
+              </a:ext>
+            </a:extLst>
+          </p:cNvPr>
+          <p:cNvCxnSpPr>
+            <a:cxnSpLocks/>
+          </p:cNvCxnSpPr>
+          <p:nvPr/>
+        </p:nvCxnSpPr>
+        <p:spPr>
+          <a:xfrm flipV="1">
+            <a:off x="2323281" y="4009022"/>
+            <a:ext cx="1259" cy="129539"/>
+          </a:xfrm>
+          <a:prstGeom prst="straightConnector1">
+            <a:avLst/>
+          </a:prstGeom>
+          <a:ln>
+            <a:tailEnd type="triangle"/>
+          </a:ln>
+        </p:spPr>
+        <p:style>
+          <a:lnRef idx="1">
+            <a:schemeClr val="accent1"/>
+          </a:lnRef>
+          <a:fillRef idx="0">
+            <a:schemeClr val="accent1"/>
+          </a:fillRef>
+          <a:effectRef idx="0">
+            <a:schemeClr val="accent1"/>
+          </a:effectRef>
+          <a:fontRef idx="minor">
+            <a:schemeClr val="tx1"/>
+          </a:fontRef>
+        </p:style>
+      </p:cxnSp>
+      <p:sp>
+        <p:nvSpPr>
+          <p:cNvPr id="63" name="矩形 62">
+            <a:extLst>
+              <a:ext uri="{FF2B5EF4-FFF2-40B4-BE49-F238E27FC236}">
+                <a16:creationId xmlns:a16="http://schemas.microsoft.com/office/drawing/2014/main" id="{03AA5823-1684-4BD3-98AA-74D30672DEBA}"/>
+              </a:ext>
+            </a:extLst>
+          </p:cNvPr>
+          <p:cNvSpPr/>
+          <p:nvPr/>
+        </p:nvSpPr>
+        <p:spPr>
+          <a:xfrm>
+            <a:off x="912040" y="3526817"/>
+            <a:ext cx="1800680" cy="981075"/>
+          </a:xfrm>
+          <a:prstGeom prst="rect">
+            <a:avLst/>
+          </a:prstGeom>
+          <a:noFill/>
+          <a:ln w="38100">
+            <a:solidFill>
+              <a:srgbClr val="FFC000"/>
+            </a:solidFill>
+            <a:prstDash val="dashDot"/>
+          </a:ln>
+        </p:spPr>
+        <p:style>
+          <a:lnRef idx="2">
+            <a:schemeClr val="accent1">
+              <a:shade val="50000"/>
+            </a:schemeClr>
+          </a:lnRef>
+          <a:fillRef idx="1">
+            <a:schemeClr val="accent1"/>
+          </a:fillRef>
+          <a:effectRef idx="0">
+            <a:schemeClr val="accent1"/>
+          </a:effectRef>
+          <a:fontRef idx="minor">
+            <a:schemeClr val="lt1"/>
+          </a:fontRef>
+        </p:style>
+        <p:txBody>
+          <a:bodyPr rtlCol="0" anchor="ctr"/>
+          <a:lstStyle/>
+          <a:p>
+            <a:pPr algn="ctr"/>
+            <a:endParaRPr lang="zh-CN" altLang="en-US"/>
+          </a:p>
+        </p:txBody>
+      </p:sp>
+    </p:spTree>
+    <p:extLst>
+      <p:ext uri="{BB962C8B-B14F-4D97-AF65-F5344CB8AC3E}">
+        <p14:creationId xmlns:p14="http://schemas.microsoft.com/office/powerpoint/2010/main" val="4108512706"/>
+      </p:ext>
+    </p:extLst>
+  </p:cSld>
+  <p:clrMapOvr>
+    <a:masterClrMapping/>
+  </p:clrMapOvr>
+  <p:timing>
+    <p:tnLst>
+      <p:par>
+        <p:cTn id="1" dur="indefinite" restart="never" nodeType="tmRoot">
+          <p:childTnLst>
+            <p:seq concurrent="1" nextAc="seek">
+              <p:cTn id="2" dur="indefinite" nodeType="mainSeq">
+                <p:childTnLst>
+                  <p:par>
+                    <p:cTn id="3" fill="hold">
+                      <p:stCondLst>
+                        <p:cond delay="indefinite"/>
+                      </p:stCondLst>
+                      <p:childTnLst>
+                        <p:par>
+                          <p:cTn id="4" fill="hold">
+                            <p:stCondLst>
+                              <p:cond delay="0"/>
+                            </p:stCondLst>
+                            <p:childTnLst>
+                              <p:par>
+                                <p:cTn id="5" presetID="1" presetClass="entr" presetSubtype="0" fill="hold" nodeType="clickEffect">
+                                  <p:stCondLst>
+                                    <p:cond delay="0"/>
+                                  </p:stCondLst>
+                                  <p:childTnLst>
+                                    <p:set>
+                                      <p:cBhvr>
+                                        <p:cTn id="6" dur="1" fill="hold">
+                                          <p:stCondLst>
+                                            <p:cond delay="0"/>
+                                          </p:stCondLst>
+                                        </p:cTn>
+                                        <p:tgtEl>
+                                          <p:spTgt spid="30"/>
+                                        </p:tgtEl>
+                                        <p:attrNameLst>
+                                          <p:attrName>style.visibility</p:attrName>
+                                        </p:attrNameLst>
+                                      </p:cBhvr>
+                                      <p:to>
+                                        <p:strVal val="visible"/>
+                                      </p:to>
+                                    </p:set>
+                                  </p:childTnLst>
+                                </p:cTn>
+                              </p:par>
+                            </p:childTnLst>
+                          </p:cTn>
+                        </p:par>
+                      </p:childTnLst>
+                    </p:cTn>
+                  </p:par>
+                  <p:par>
+                    <p:cTn id="7" fill="hold">
+                      <p:stCondLst>
+                        <p:cond delay="indefinite"/>
+                      </p:stCondLst>
+                      <p:childTnLst>
+                        <p:par>
+                          <p:cTn id="8" fill="hold">
+                            <p:stCondLst>
+                              <p:cond delay="0"/>
+                            </p:stCondLst>
+                            <p:childTnLst>
+                              <p:par>
+                                <p:cTn id="9" presetID="1" presetClass="entr" presetSubtype="0" fill="hold" grpId="0" nodeType="clickEffect">
+                                  <p:stCondLst>
+                                    <p:cond delay="0"/>
+                                  </p:stCondLst>
+                                  <p:childTnLst>
+                                    <p:set>
+                                      <p:cBhvr>
+                                        <p:cTn id="10" dur="1" fill="hold">
+                                          <p:stCondLst>
+                                            <p:cond delay="0"/>
+                                          </p:stCondLst>
+                                        </p:cTn>
+                                        <p:tgtEl>
+                                          <p:spTgt spid="31"/>
+                                        </p:tgtEl>
+                                        <p:attrNameLst>
+                                          <p:attrName>style.visibility</p:attrName>
+                                        </p:attrNameLst>
+                                      </p:cBhvr>
+                                      <p:to>
+                                        <p:strVal val="visible"/>
+                                      </p:to>
+                                    </p:set>
+                                  </p:childTnLst>
+                                </p:cTn>
+                              </p:par>
+                              <p:par>
+                                <p:cTn id="11" presetID="1" presetClass="entr" presetSubtype="0" fill="hold" grpId="0" nodeType="withEffect">
+                                  <p:stCondLst>
+                                    <p:cond delay="0"/>
+                                  </p:stCondLst>
+                                  <p:childTnLst>
+                                    <p:set>
+                                      <p:cBhvr>
+                                        <p:cTn id="12" dur="1" fill="hold">
+                                          <p:stCondLst>
+                                            <p:cond delay="0"/>
+                                          </p:stCondLst>
+                                        </p:cTn>
+                                        <p:tgtEl>
+                                          <p:spTgt spid="38"/>
+                                        </p:tgtEl>
+                                        <p:attrNameLst>
+                                          <p:attrName>style.visibility</p:attrName>
+                                        </p:attrNameLst>
+                                      </p:cBhvr>
+                                      <p:to>
+                                        <p:strVal val="visible"/>
+                                      </p:to>
+                                    </p:set>
+                                  </p:childTnLst>
+                                </p:cTn>
+                              </p:par>
+                            </p:childTnLst>
+                          </p:cTn>
+                        </p:par>
+                      </p:childTnLst>
+                    </p:cTn>
+                  </p:par>
+                  <p:par>
+                    <p:cTn id="13" fill="hold">
+                      <p:stCondLst>
+                        <p:cond delay="indefinite"/>
+                      </p:stCondLst>
+                      <p:childTnLst>
+                        <p:par>
+                          <p:cTn id="14" fill="hold">
+                            <p:stCondLst>
+                              <p:cond delay="0"/>
+                            </p:stCondLst>
+                            <p:childTnLst>
+                              <p:par>
+                                <p:cTn id="15" presetID="1" presetClass="entr" presetSubtype="0" fill="hold" nodeType="clickEffect">
+                                  <p:stCondLst>
+                                    <p:cond delay="0"/>
+                                  </p:stCondLst>
+                                  <p:childTnLst>
+                                    <p:set>
+                                      <p:cBhvr>
+                                        <p:cTn id="16" dur="1" fill="hold">
+                                          <p:stCondLst>
+                                            <p:cond delay="0"/>
+                                          </p:stCondLst>
+                                        </p:cTn>
+                                        <p:tgtEl>
+                                          <p:spTgt spid="43"/>
+                                        </p:tgtEl>
+                                        <p:attrNameLst>
+                                          <p:attrName>style.visibility</p:attrName>
+                                        </p:attrNameLst>
+                                      </p:cBhvr>
+                                      <p:to>
+                                        <p:strVal val="visible"/>
+                                      </p:to>
+                                    </p:set>
+                                  </p:childTnLst>
+                                </p:cTn>
+                              </p:par>
+                              <p:par>
+                                <p:cTn id="17" presetID="1" presetClass="entr" presetSubtype="0" fill="hold" grpId="0" nodeType="withEffect">
+                                  <p:stCondLst>
+                                    <p:cond delay="0"/>
+                                  </p:stCondLst>
+                                  <p:childTnLst>
+                                    <p:set>
+                                      <p:cBhvr>
+                                        <p:cTn id="18" dur="1" fill="hold">
+                                          <p:stCondLst>
+                                            <p:cond delay="0"/>
+                                          </p:stCondLst>
+                                        </p:cTn>
+                                        <p:tgtEl>
+                                          <p:spTgt spid="42"/>
+                                        </p:tgtEl>
+                                        <p:attrNameLst>
+                                          <p:attrName>style.visibility</p:attrName>
+                                        </p:attrNameLst>
+                                      </p:cBhvr>
+                                      <p:to>
+                                        <p:strVal val="visible"/>
+                                      </p:to>
+                                    </p:set>
+                                  </p:childTnLst>
+                                </p:cTn>
+                              </p:par>
+                              <p:par>
+                                <p:cTn id="19" presetID="1" presetClass="entr" presetSubtype="0" fill="hold" grpId="0" nodeType="withEffect">
+                                  <p:stCondLst>
+                                    <p:cond delay="0"/>
+                                  </p:stCondLst>
+                                  <p:childTnLst>
+                                    <p:set>
+                                      <p:cBhvr>
+                                        <p:cTn id="20" dur="1" fill="hold">
+                                          <p:stCondLst>
+                                            <p:cond delay="0"/>
+                                          </p:stCondLst>
+                                        </p:cTn>
+                                        <p:tgtEl>
+                                          <p:spTgt spid="39"/>
+                                        </p:tgtEl>
+                                        <p:attrNameLst>
+                                          <p:attrName>style.visibility</p:attrName>
+                                        </p:attrNameLst>
+                                      </p:cBhvr>
+                                      <p:to>
+                                        <p:strVal val="visible"/>
+                                      </p:to>
+                                    </p:set>
+                                  </p:childTnLst>
+                                </p:cTn>
+                              </p:par>
+                              <p:par>
+                                <p:cTn id="21" presetID="1" presetClass="entr" presetSubtype="0" fill="hold" grpId="0" nodeType="withEffect">
+                                  <p:stCondLst>
+                                    <p:cond delay="0"/>
+                                  </p:stCondLst>
+                                  <p:childTnLst>
+                                    <p:set>
+                                      <p:cBhvr>
+                                        <p:cTn id="22" dur="1" fill="hold">
+                                          <p:stCondLst>
+                                            <p:cond delay="0"/>
+                                          </p:stCondLst>
+                                        </p:cTn>
+                                        <p:tgtEl>
+                                          <p:spTgt spid="41"/>
+                                        </p:tgtEl>
+                                        <p:attrNameLst>
+                                          <p:attrName>style.visibility</p:attrName>
+                                        </p:attrNameLst>
+                                      </p:cBhvr>
+                                      <p:to>
+                                        <p:strVal val="visible"/>
+                                      </p:to>
+                                    </p:set>
+                                  </p:childTnLst>
+                                </p:cTn>
+                              </p:par>
+                              <p:par>
+                                <p:cTn id="23" presetID="1" presetClass="entr" presetSubtype="0" fill="hold" grpId="0" nodeType="withEffect">
+                                  <p:stCondLst>
+                                    <p:cond delay="0"/>
+                                  </p:stCondLst>
+                                  <p:childTnLst>
+                                    <p:set>
+                                      <p:cBhvr>
+                                        <p:cTn id="24" dur="1" fill="hold">
+                                          <p:stCondLst>
+                                            <p:cond delay="0"/>
+                                          </p:stCondLst>
+                                        </p:cTn>
+                                        <p:tgtEl>
+                                          <p:spTgt spid="40"/>
+                                        </p:tgtEl>
+                                        <p:attrNameLst>
+                                          <p:attrName>style.visibility</p:attrName>
+                                        </p:attrNameLst>
+                                      </p:cBhvr>
+                                      <p:to>
+                                        <p:strVal val="visible"/>
+                                      </p:to>
+                                    </p:set>
+                                  </p:childTnLst>
+                                </p:cTn>
+                              </p:par>
+                            </p:childTnLst>
+                          </p:cTn>
+                        </p:par>
+                      </p:childTnLst>
+                    </p:cTn>
+                  </p:par>
+                  <p:par>
+                    <p:cTn id="25" fill="hold">
+                      <p:stCondLst>
+                        <p:cond delay="indefinite"/>
+                      </p:stCondLst>
+                      <p:childTnLst>
+                        <p:par>
+                          <p:cTn id="26" fill="hold">
+                            <p:stCondLst>
+                              <p:cond delay="0"/>
+                            </p:stCondLst>
+                            <p:childTnLst>
+                              <p:par>
+                                <p:cTn id="27" presetID="1" presetClass="entr" presetSubtype="0" fill="hold" grpId="0" nodeType="clickEffect">
+                                  <p:stCondLst>
+                                    <p:cond delay="0"/>
+                                  </p:stCondLst>
+                                  <p:childTnLst>
+                                    <p:set>
+                                      <p:cBhvr>
+                                        <p:cTn id="28" dur="1" fill="hold">
+                                          <p:stCondLst>
+                                            <p:cond delay="0"/>
+                                          </p:stCondLst>
+                                        </p:cTn>
+                                        <p:tgtEl>
+                                          <p:spTgt spid="44"/>
+                                        </p:tgtEl>
+                                        <p:attrNameLst>
+                                          <p:attrName>style.visibility</p:attrName>
+                                        </p:attrNameLst>
+                                      </p:cBhvr>
+                                      <p:to>
+                                        <p:strVal val="visible"/>
+                                      </p:to>
+                                    </p:set>
+                                  </p:childTnLst>
+                                </p:cTn>
+                              </p:par>
+                              <p:par>
+                                <p:cTn id="29" presetID="1" presetClass="entr" presetSubtype="0" fill="hold" grpId="0" nodeType="withEffect">
+                                  <p:stCondLst>
+                                    <p:cond delay="0"/>
+                                  </p:stCondLst>
+                                  <p:childTnLst>
+                                    <p:set>
+                                      <p:cBhvr>
+                                        <p:cTn id="30" dur="1" fill="hold">
+                                          <p:stCondLst>
+                                            <p:cond delay="0"/>
+                                          </p:stCondLst>
+                                        </p:cTn>
+                                        <p:tgtEl>
+                                          <p:spTgt spid="45"/>
+                                        </p:tgtEl>
+                                        <p:attrNameLst>
+                                          <p:attrName>style.visibility</p:attrName>
+                                        </p:attrNameLst>
+                                      </p:cBhvr>
+                                      <p:to>
+                                        <p:strVal val="visible"/>
+                                      </p:to>
+                                    </p:set>
+                                  </p:childTnLst>
+                                </p:cTn>
+                              </p:par>
+                            </p:childTnLst>
+                          </p:cTn>
+                        </p:par>
+                      </p:childTnLst>
+                    </p:cTn>
+                  </p:par>
+                  <p:par>
+                    <p:cTn id="31" fill="hold">
+                      <p:stCondLst>
+                        <p:cond delay="indefinite"/>
+                      </p:stCondLst>
+                      <p:childTnLst>
+                        <p:par>
+                          <p:cTn id="32" fill="hold">
+                            <p:stCondLst>
+                              <p:cond delay="0"/>
+                            </p:stCondLst>
+                            <p:childTnLst>
+                              <p:par>
+                                <p:cTn id="33" presetID="1" presetClass="entr" presetSubtype="0" fill="hold" grpId="0" nodeType="clickEffect">
+                                  <p:stCondLst>
+                                    <p:cond delay="0"/>
+                                  </p:stCondLst>
+                                  <p:childTnLst>
+                                    <p:set>
+                                      <p:cBhvr>
+                                        <p:cTn id="34" dur="1" fill="hold">
+                                          <p:stCondLst>
+                                            <p:cond delay="0"/>
+                                          </p:stCondLst>
+                                        </p:cTn>
+                                        <p:tgtEl>
+                                          <p:spTgt spid="46"/>
+                                        </p:tgtEl>
+                                        <p:attrNameLst>
+                                          <p:attrName>style.visibility</p:attrName>
+                                        </p:attrNameLst>
+                                      </p:cBhvr>
+                                      <p:to>
+                                        <p:strVal val="visible"/>
+                                      </p:to>
+                                    </p:set>
+                                  </p:childTnLst>
+                                </p:cTn>
+                              </p:par>
+                              <p:par>
+                                <p:cTn id="35" presetID="1" presetClass="entr" presetSubtype="0" fill="hold" grpId="0" nodeType="withEffect">
+                                  <p:stCondLst>
+                                    <p:cond delay="0"/>
+                                  </p:stCondLst>
+                                  <p:childTnLst>
+                                    <p:set>
+                                      <p:cBhvr>
+                                        <p:cTn id="36" dur="1" fill="hold">
+                                          <p:stCondLst>
+                                            <p:cond delay="0"/>
+                                          </p:stCondLst>
+                                        </p:cTn>
+                                        <p:tgtEl>
+                                          <p:spTgt spid="47"/>
+                                        </p:tgtEl>
+                                        <p:attrNameLst>
+                                          <p:attrName>style.visibility</p:attrName>
+                                        </p:attrNameLst>
+                                      </p:cBhvr>
+                                      <p:to>
+                                        <p:strVal val="visible"/>
+                                      </p:to>
+                                    </p:set>
+                                  </p:childTnLst>
+                                </p:cTn>
+                              </p:par>
+                              <p:par>
+                                <p:cTn id="37" presetID="1" presetClass="entr" presetSubtype="0" fill="hold" nodeType="withEffect">
+                                  <p:stCondLst>
+                                    <p:cond delay="0"/>
+                                  </p:stCondLst>
+                                  <p:childTnLst>
+                                    <p:set>
+                                      <p:cBhvr>
+                                        <p:cTn id="38" dur="1" fill="hold">
+                                          <p:stCondLst>
+                                            <p:cond delay="0"/>
+                                          </p:stCondLst>
+                                        </p:cTn>
+                                        <p:tgtEl>
+                                          <p:spTgt spid="48"/>
+                                        </p:tgtEl>
+                                        <p:attrNameLst>
+                                          <p:attrName>style.visibility</p:attrName>
+                                        </p:attrNameLst>
+                                      </p:cBhvr>
+                                      <p:to>
+                                        <p:strVal val="visible"/>
+                                      </p:to>
+                                    </p:set>
+                                  </p:childTnLst>
+                                </p:cTn>
+                              </p:par>
+                            </p:childTnLst>
+                          </p:cTn>
+                        </p:par>
+                      </p:childTnLst>
+                    </p:cTn>
+                  </p:par>
+                  <p:par>
+                    <p:cTn id="39" fill="hold">
+                      <p:stCondLst>
+                        <p:cond delay="indefinite"/>
+                      </p:stCondLst>
+                      <p:childTnLst>
+                        <p:par>
+                          <p:cTn id="40" fill="hold">
+                            <p:stCondLst>
+                              <p:cond delay="0"/>
+                            </p:stCondLst>
+                            <p:childTnLst>
+                              <p:par>
+                                <p:cTn id="41" presetID="1" presetClass="entr" presetSubtype="0" fill="hold" nodeType="clickEffect">
+                                  <p:stCondLst>
+                                    <p:cond delay="0"/>
+                                  </p:stCondLst>
+                                  <p:childTnLst>
+                                    <p:set>
+                                      <p:cBhvr>
+                                        <p:cTn id="42" dur="1" fill="hold">
+                                          <p:stCondLst>
+                                            <p:cond delay="0"/>
+                                          </p:stCondLst>
+                                        </p:cTn>
+                                        <p:tgtEl>
+                                          <p:spTgt spid="51"/>
+                                        </p:tgtEl>
+                                        <p:attrNameLst>
+                                          <p:attrName>style.visibility</p:attrName>
+                                        </p:attrNameLst>
+                                      </p:cBhvr>
+                                      <p:to>
+                                        <p:strVal val="visible"/>
+                                      </p:to>
+                                    </p:set>
+                                  </p:childTnLst>
+                                </p:cTn>
+                              </p:par>
+                              <p:par>
+                                <p:cTn id="43" presetID="1" presetClass="entr" presetSubtype="0" fill="hold" grpId="0" nodeType="withEffect">
+                                  <p:stCondLst>
+                                    <p:cond delay="0"/>
+                                  </p:stCondLst>
+                                  <p:childTnLst>
+                                    <p:set>
+                                      <p:cBhvr>
+                                        <p:cTn id="44" dur="1" fill="hold">
+                                          <p:stCondLst>
+                                            <p:cond delay="0"/>
+                                          </p:stCondLst>
+                                        </p:cTn>
+                                        <p:tgtEl>
+                                          <p:spTgt spid="52"/>
+                                        </p:tgtEl>
+                                        <p:attrNameLst>
+                                          <p:attrName>style.visibility</p:attrName>
+                                        </p:attrNameLst>
+                                      </p:cBhvr>
+                                      <p:to>
+                                        <p:strVal val="visible"/>
+                                      </p:to>
+                                    </p:set>
+                                  </p:childTnLst>
+                                </p:cTn>
+                              </p:par>
+                              <p:par>
+                                <p:cTn id="45" presetID="1" presetClass="entr" presetSubtype="0" fill="hold" grpId="0" nodeType="withEffect">
+                                  <p:stCondLst>
+                                    <p:cond delay="0"/>
+                                  </p:stCondLst>
+                                  <p:childTnLst>
+                                    <p:set>
+                                      <p:cBhvr>
+                                        <p:cTn id="46" dur="1" fill="hold">
+                                          <p:stCondLst>
+                                            <p:cond delay="0"/>
+                                          </p:stCondLst>
+                                        </p:cTn>
+                                        <p:tgtEl>
+                                          <p:spTgt spid="53"/>
+                                        </p:tgtEl>
+                                        <p:attrNameLst>
+                                          <p:attrName>style.visibility</p:attrName>
+                                        </p:attrNameLst>
+                                      </p:cBhvr>
+                                      <p:to>
+                                        <p:strVal val="visible"/>
+                                      </p:to>
+                                    </p:set>
+                                  </p:childTnLst>
+                                </p:cTn>
+                              </p:par>
+                              <p:par>
+                                <p:cTn id="47" presetID="1" presetClass="entr" presetSubtype="0" fill="hold" nodeType="withEffect">
+                                  <p:stCondLst>
+                                    <p:cond delay="0"/>
+                                  </p:stCondLst>
+                                  <p:childTnLst>
+                                    <p:set>
+                                      <p:cBhvr>
+                                        <p:cTn id="48" dur="1" fill="hold">
+                                          <p:stCondLst>
+                                            <p:cond delay="0"/>
+                                          </p:stCondLst>
+                                        </p:cTn>
+                                        <p:tgtEl>
+                                          <p:spTgt spid="54"/>
+                                        </p:tgtEl>
+                                        <p:attrNameLst>
+                                          <p:attrName>style.visibility</p:attrName>
+                                        </p:attrNameLst>
+                                      </p:cBhvr>
+                                      <p:to>
+                                        <p:strVal val="visible"/>
+                                      </p:to>
+                                    </p:set>
+                                  </p:childTnLst>
+                                </p:cTn>
+                              </p:par>
+                            </p:childTnLst>
+                          </p:cTn>
+                        </p:par>
+                      </p:childTnLst>
+                    </p:cTn>
+                  </p:par>
+                </p:childTnLst>
+              </p:cTn>
+              <p:prevCondLst>
+                <p:cond evt="onPrev" delay="0">
+                  <p:tgtEl>
+                    <p:sldTgt/>
+                  </p:tgtEl>
+                </p:cond>
+              </p:prevCondLst>
+              <p:nextCondLst>
+                <p:cond evt="onNext" delay="0">
+                  <p:tgtEl>
+                    <p:sldTgt/>
+                  </p:tgtEl>
+                </p:cond>
+              </p:nextCondLst>
+            </p:seq>
+          </p:childTnLst>
+        </p:cTn>
+      </p:par>
+    </p:tnLst>
+    <p:bldLst>
+      <p:bldP spid="31" grpId="0" animBg="1"/>
+      <p:bldP spid="38" grpId="0" animBg="1"/>
+      <p:bldP spid="39" grpId="0" animBg="1"/>
+      <p:bldP spid="40" grpId="0" animBg="1"/>
+      <p:bldP spid="41" grpId="0" animBg="1"/>
+      <p:bldP spid="42" grpId="0" animBg="1"/>
+      <p:bldP spid="44" grpId="0" animBg="1"/>
+      <p:bldP spid="45" grpId="0" animBg="1"/>
+      <p:bldP spid="46" grpId="0" animBg="1"/>
+      <p:bldP spid="47" grpId="0" animBg="1"/>
+      <p:bldP spid="52" grpId="0"/>
+      <p:bldP spid="53" grpId="0"/>
+    </p:bldLst>
+  </p:timing>
+</p:sld>
+</file>
+
 <file path=ppt/theme/theme1.xml><?xml version="1.0" encoding="utf-8"?>
 <a:theme xmlns:a="http://schemas.openxmlformats.org/drawingml/2006/main" name="Office 主题​​">
   <a:themeElements>
